--- a/files/2014-final-lecture.pptx
+++ b/files/2014-final-lecture.pptx
@@ -17,9 +17,10 @@
     <p:sldId id="266" r:id="rId11"/>
     <p:sldId id="269" r:id="rId12"/>
     <p:sldId id="268" r:id="rId13"/>
-    <p:sldId id="273" r:id="rId14"/>
-    <p:sldId id="270" r:id="rId15"/>
-    <p:sldId id="271" r:id="rId16"/>
+    <p:sldId id="274" r:id="rId14"/>
+    <p:sldId id="273" r:id="rId15"/>
+    <p:sldId id="270" r:id="rId16"/>
+    <p:sldId id="271" r:id="rId17"/>
   </p:sldIdLst>
   <p:sldSz cx="9144000" cy="6858000" type="screen4x3"/>
   <p:notesSz cx="6858000" cy="9144000"/>
@@ -4114,7 +4115,7 @@
           <a:p>
             <a:r>
               <a:rPr lang="en-US" dirty="0" smtClean="0"/>
-              <a:t>Alumni opportunities?</a:t>
+              <a:t>Technology updates?</a:t>
             </a:r>
             <a:endParaRPr lang="en-US" dirty="0"/>
           </a:p>
@@ -4132,85 +4133,58 @@
         </p:nvSpPr>
         <p:spPr/>
         <p:txBody>
-          <a:bodyPr/>
-          <a:lstStyle/>
-          <a:p>
-            <a:r>
-              <a:rPr lang="en-US" dirty="0" smtClean="0"/>
-              <a:t>Next year, plan 3</a:t>
-            </a:r>
-            <a:r>
-              <a:rPr lang="en-US" baseline="30000" dirty="0" smtClean="0"/>
-              <a:t>rd</a:t>
-            </a:r>
-            <a:r>
-              <a:rPr lang="en-US" dirty="0" smtClean="0"/>
-              <a:t> week of course well in advance.</a:t>
-            </a:r>
-          </a:p>
-          <a:p>
-            <a:endParaRPr lang="en-US" dirty="0"/>
-          </a:p>
-          <a:p>
-            <a:r>
-              <a:rPr lang="en-US" dirty="0" smtClean="0"/>
-              <a:t>Same rate (per week), and probably a small course fee.</a:t>
-            </a:r>
-          </a:p>
-          <a:p>
-            <a:endParaRPr lang="en-US" dirty="0"/>
-          </a:p>
-          <a:p>
-            <a:r>
-              <a:rPr lang="en-US" dirty="0" smtClean="0"/>
-              <a:t>Probably </a:t>
-            </a:r>
-            <a:r>
-              <a:rPr lang="en-US" i="1" dirty="0" smtClean="0"/>
-              <a:t>not</a:t>
-            </a:r>
-            <a:r>
-              <a:rPr lang="en-US" dirty="0" smtClean="0"/>
-              <a:t> tutorials/lectures.</a:t>
-            </a:r>
-          </a:p>
-          <a:p>
-            <a:endParaRPr lang="en-US" dirty="0"/>
-          </a:p>
-          <a:p>
-            <a:r>
-              <a:rPr lang="en-US" dirty="0" smtClean="0"/>
-              <a:t>Ideas:</a:t>
-            </a:r>
-          </a:p>
-          <a:p>
-            <a:pPr lvl="1"/>
-            <a:r>
-              <a:rPr lang="en-US" dirty="0" smtClean="0"/>
-              <a:t>“Open space” to work around other technical people on things; </a:t>
-            </a:r>
-          </a:p>
-          <a:p>
-            <a:pPr lvl="1"/>
-            <a:r>
-              <a:rPr lang="en-US" dirty="0" smtClean="0"/>
-              <a:t>Lightning talks on what you did or do want to accomplish;</a:t>
-            </a:r>
-          </a:p>
-          <a:p>
-            <a:pPr lvl="1"/>
-            <a:r>
-              <a:rPr lang="en-US" dirty="0" smtClean="0"/>
-              <a:t>???</a:t>
-            </a:r>
-            <a:endParaRPr lang="en-US" dirty="0"/>
+          <a:bodyPr>
+            <a:normAutofit/>
+          </a:bodyPr>
+          <a:lstStyle/>
+          <a:p>
+            <a:pPr marL="0" indent="0" algn="ctr">
+              <a:buNone/>
+            </a:pPr>
+            <a:endParaRPr lang="en-US" sz="3600" dirty="0"/>
+          </a:p>
+          <a:p>
+            <a:pPr marL="0" indent="0" algn="ctr">
+              <a:buNone/>
+            </a:pPr>
+            <a:r>
+              <a:rPr lang="en-US" sz="3600" dirty="0" smtClean="0"/>
+              <a:t>See:</a:t>
+            </a:r>
+          </a:p>
+          <a:p>
+            <a:pPr marL="0" indent="0" algn="ctr">
+              <a:buNone/>
+            </a:pPr>
+            <a:r>
+              <a:rPr lang="en-US" sz="3600" dirty="0"/>
+              <a:t>O</a:t>
+            </a:r>
+            <a:r>
+              <a:rPr lang="en-US" sz="3600" smtClean="0"/>
+              <a:t>pinionated </a:t>
+            </a:r>
+            <a:r>
+              <a:rPr lang="en-US" sz="3600" dirty="0" smtClean="0"/>
+              <a:t>guides.</a:t>
+            </a:r>
+          </a:p>
+          <a:p>
+            <a:pPr marL="0" indent="0" algn="ctr">
+              <a:buNone/>
+            </a:pPr>
+            <a:r>
+              <a:rPr lang="en-US" sz="3600" dirty="0" smtClean="0"/>
+              <a:t>Software Carpentry.</a:t>
+            </a:r>
+            <a:endParaRPr lang="en-US" sz="3600" dirty="0"/>
           </a:p>
         </p:txBody>
       </p:sp>
     </p:spTree>
     <p:extLst>
       <p:ext uri="{BB962C8B-B14F-4D97-AF65-F5344CB8AC3E}">
-        <p14:creationId xmlns:p14="http://schemas.microsoft.com/office/powerpoint/2010/main" val="3258832718"/>
+        <p14:creationId xmlns:p14="http://schemas.microsoft.com/office/powerpoint/2010/main" val="2445231951"/>
       </p:ext>
     </p:extLst>
   </p:cSld>
@@ -4254,6 +4228,146 @@
           <a:p>
             <a:r>
               <a:rPr lang="en-US" dirty="0" smtClean="0"/>
+              <a:t>Alumni opportunities?</a:t>
+            </a:r>
+            <a:endParaRPr lang="en-US" dirty="0"/>
+          </a:p>
+        </p:txBody>
+      </p:sp>
+      <p:sp>
+        <p:nvSpPr>
+          <p:cNvPr id="3" name="Content Placeholder 2"/>
+          <p:cNvSpPr>
+            <a:spLocks noGrp="1"/>
+          </p:cNvSpPr>
+          <p:nvPr>
+            <p:ph sz="quarter" idx="1"/>
+          </p:nvPr>
+        </p:nvSpPr>
+        <p:spPr/>
+        <p:txBody>
+          <a:bodyPr/>
+          <a:lstStyle/>
+          <a:p>
+            <a:r>
+              <a:rPr lang="en-US" dirty="0" smtClean="0"/>
+              <a:t>Next year, plan 3</a:t>
+            </a:r>
+            <a:r>
+              <a:rPr lang="en-US" baseline="30000" dirty="0" smtClean="0"/>
+              <a:t>rd</a:t>
+            </a:r>
+            <a:r>
+              <a:rPr lang="en-US" dirty="0" smtClean="0"/>
+              <a:t> week of course well in advance.</a:t>
+            </a:r>
+          </a:p>
+          <a:p>
+            <a:endParaRPr lang="en-US" dirty="0"/>
+          </a:p>
+          <a:p>
+            <a:r>
+              <a:rPr lang="en-US" dirty="0" smtClean="0"/>
+              <a:t>Same rate (per week), and probably a small course fee.</a:t>
+            </a:r>
+          </a:p>
+          <a:p>
+            <a:endParaRPr lang="en-US" dirty="0"/>
+          </a:p>
+          <a:p>
+            <a:r>
+              <a:rPr lang="en-US" dirty="0" smtClean="0"/>
+              <a:t>Probably </a:t>
+            </a:r>
+            <a:r>
+              <a:rPr lang="en-US" i="1" dirty="0" smtClean="0"/>
+              <a:t>not</a:t>
+            </a:r>
+            <a:r>
+              <a:rPr lang="en-US" dirty="0" smtClean="0"/>
+              <a:t> tutorials/lectures.</a:t>
+            </a:r>
+          </a:p>
+          <a:p>
+            <a:endParaRPr lang="en-US" dirty="0"/>
+          </a:p>
+          <a:p>
+            <a:r>
+              <a:rPr lang="en-US" dirty="0" smtClean="0"/>
+              <a:t>Ideas:</a:t>
+            </a:r>
+          </a:p>
+          <a:p>
+            <a:pPr lvl="1"/>
+            <a:r>
+              <a:rPr lang="en-US" dirty="0" smtClean="0"/>
+              <a:t>“Open space” to work around other technical people on things; </a:t>
+            </a:r>
+          </a:p>
+          <a:p>
+            <a:pPr lvl="1"/>
+            <a:r>
+              <a:rPr lang="en-US" dirty="0" smtClean="0"/>
+              <a:t>Lightning talks on what you did or do want to accomplish;</a:t>
+            </a:r>
+          </a:p>
+          <a:p>
+            <a:pPr lvl="1"/>
+            <a:r>
+              <a:rPr lang="en-US" dirty="0" smtClean="0"/>
+              <a:t>???</a:t>
+            </a:r>
+            <a:endParaRPr lang="en-US" dirty="0"/>
+          </a:p>
+        </p:txBody>
+      </p:sp>
+    </p:spTree>
+    <p:extLst>
+      <p:ext uri="{BB962C8B-B14F-4D97-AF65-F5344CB8AC3E}">
+        <p14:creationId xmlns:p14="http://schemas.microsoft.com/office/powerpoint/2010/main" val="3258832718"/>
+      </p:ext>
+    </p:extLst>
+  </p:cSld>
+  <p:clrMapOvr>
+    <a:masterClrMapping/>
+  </p:clrMapOvr>
+</p:sld>
+</file>
+
+<file path=ppt/slides/slide15.xml><?xml version="1.0" encoding="utf-8"?>
+<p:sld xmlns:a="http://schemas.openxmlformats.org/drawingml/2006/main" xmlns:r="http://schemas.openxmlformats.org/officeDocument/2006/relationships" xmlns:p="http://schemas.openxmlformats.org/presentationml/2006/main">
+  <p:cSld>
+    <p:spTree>
+      <p:nvGrpSpPr>
+        <p:cNvPr id="1" name=""/>
+        <p:cNvGrpSpPr/>
+        <p:nvPr/>
+      </p:nvGrpSpPr>
+      <p:grpSpPr>
+        <a:xfrm>
+          <a:off x="0" y="0"/>
+          <a:ext cx="0" cy="0"/>
+          <a:chOff x="0" y="0"/>
+          <a:chExt cx="0" cy="0"/>
+        </a:xfrm>
+      </p:grpSpPr>
+      <p:sp>
+        <p:nvSpPr>
+          <p:cNvPr id="2" name="Title 1"/>
+          <p:cNvSpPr>
+            <a:spLocks noGrp="1"/>
+          </p:cNvSpPr>
+          <p:nvPr>
+            <p:ph type="title"/>
+          </p:nvPr>
+        </p:nvSpPr>
+        <p:spPr/>
+        <p:txBody>
+          <a:bodyPr/>
+          <a:lstStyle/>
+          <a:p>
+            <a:r>
+              <a:rPr lang="en-US" dirty="0" smtClean="0"/>
               <a:t>This is the end.</a:t>
             </a:r>
             <a:endParaRPr lang="en-US" dirty="0"/>
@@ -4292,7 +4406,7 @@
 </p:sld>
 </file>
 
-<file path=ppt/slides/slide15.xml><?xml version="1.0" encoding="utf-8"?>
+<file path=ppt/slides/slide16.xml><?xml version="1.0" encoding="utf-8"?>
 <p:sld xmlns:a="http://schemas.openxmlformats.org/drawingml/2006/main" xmlns:r="http://schemas.openxmlformats.org/officeDocument/2006/relationships" xmlns:p="http://schemas.openxmlformats.org/presentationml/2006/main">
   <p:cSld>
     <p:spTree>

--- a/files/2014-final-lecture.pptx
+++ b/files/2014-final-lecture.pptx
@@ -3716,20 +3716,22 @@
         </p:nvSpPr>
         <p:spPr/>
         <p:txBody>
-          <a:bodyPr/>
-          <a:lstStyle/>
-          <a:p>
-            <a:r>
-              <a:rPr lang="en-US" dirty="0" smtClean="0"/>
+          <a:bodyPr>
+            <a:normAutofit/>
+          </a:bodyPr>
+          <a:lstStyle/>
+          <a:p>
+            <a:r>
+              <a:rPr lang="en-US" sz="3600" dirty="0" smtClean="0"/>
               <a:t>Lunch orders!</a:t>
             </a:r>
           </a:p>
           <a:p>
             <a:r>
-              <a:rPr lang="en-US" dirty="0" smtClean="0"/>
+              <a:rPr lang="en-US" sz="3600" dirty="0" smtClean="0"/>
               <a:t>Lunch travel!</a:t>
             </a:r>
-            <a:endParaRPr lang="en-US" dirty="0"/>
+            <a:endParaRPr lang="en-US" sz="3600" dirty="0"/>
           </a:p>
         </p:txBody>
       </p:sp>
@@ -3743,6 +3745,13 @@
   <p:clrMapOvr>
     <a:masterClrMapping/>
   </p:clrMapOvr>
+  <p:timing>
+    <p:tnLst>
+      <p:par>
+        <p:cTn xmlns:p14="http://schemas.microsoft.com/office/powerpoint/2010/main" id="1" dur="indefinite" restart="never" nodeType="tmRoot"/>
+      </p:par>
+    </p:tnLst>
+  </p:timing>
 </p:sld>
 </file>
 
@@ -3867,6 +3876,13 @@
   <p:clrMapOvr>
     <a:masterClrMapping/>
   </p:clrMapOvr>
+  <p:timing>
+    <p:tnLst>
+      <p:par>
+        <p:cTn xmlns:p14="http://schemas.microsoft.com/office/powerpoint/2010/main" id="1" dur="indefinite" restart="never" nodeType="tmRoot"/>
+      </p:par>
+    </p:tnLst>
+  </p:timing>
 </p:sld>
 </file>
 
@@ -3971,6 +3987,13 @@
   <p:clrMapOvr>
     <a:masterClrMapping/>
   </p:clrMapOvr>
+  <p:timing>
+    <p:tnLst>
+      <p:par>
+        <p:cTn xmlns:p14="http://schemas.microsoft.com/office/powerpoint/2010/main" id="1" dur="indefinite" restart="never" nodeType="tmRoot"/>
+      </p:par>
+    </p:tnLst>
+  </p:timing>
 </p:sld>
 </file>
 
@@ -4078,6 +4101,13 @@
   <p:clrMapOvr>
     <a:masterClrMapping/>
   </p:clrMapOvr>
+  <p:timing>
+    <p:tnLst>
+      <p:par>
+        <p:cTn xmlns:p14="http://schemas.microsoft.com/office/powerpoint/2010/main" id="1" dur="indefinite" restart="never" nodeType="tmRoot"/>
+      </p:par>
+    </p:tnLst>
+  </p:timing>
 </p:sld>
 </file>
 
@@ -4161,12 +4191,8 @@
               <a:t>O</a:t>
             </a:r>
             <a:r>
-              <a:rPr lang="en-US" sz="3600" smtClean="0"/>
-              <a:t>pinionated </a:t>
-            </a:r>
-            <a:r>
               <a:rPr lang="en-US" sz="3600" dirty="0" smtClean="0"/>
-              <a:t>guides.</a:t>
+              <a:t>pinionated guides.</a:t>
             </a:r>
           </a:p>
           <a:p>
@@ -4191,6 +4217,13 @@
   <p:clrMapOvr>
     <a:masterClrMapping/>
   </p:clrMapOvr>
+  <p:timing>
+    <p:tnLst>
+      <p:par>
+        <p:cTn xmlns:p14="http://schemas.microsoft.com/office/powerpoint/2010/main" id="1" dur="indefinite" restart="never" nodeType="tmRoot"/>
+      </p:par>
+    </p:tnLst>
+  </p:timing>
 </p:sld>
 </file>
 
@@ -4331,6 +4364,13 @@
   <p:clrMapOvr>
     <a:masterClrMapping/>
   </p:clrMapOvr>
+  <p:timing>
+    <p:tnLst>
+      <p:par>
+        <p:cTn xmlns:p14="http://schemas.microsoft.com/office/powerpoint/2010/main" id="1" dur="indefinite" restart="never" nodeType="tmRoot"/>
+      </p:par>
+    </p:tnLst>
+  </p:timing>
 </p:sld>
 </file>
 
@@ -4403,6 +4443,13 @@
   <p:clrMapOvr>
     <a:masterClrMapping/>
   </p:clrMapOvr>
+  <p:timing>
+    <p:tnLst>
+      <p:par>
+        <p:cTn xmlns:p14="http://schemas.microsoft.com/office/powerpoint/2010/main" id="1" dur="indefinite" restart="never" nodeType="tmRoot"/>
+      </p:par>
+    </p:tnLst>
+  </p:timing>
 </p:sld>
 </file>
 
@@ -4507,6 +4554,13 @@
   <p:clrMapOvr>
     <a:masterClrMapping/>
   </p:clrMapOvr>
+  <p:timing>
+    <p:tnLst>
+      <p:par>
+        <p:cTn xmlns:p14="http://schemas.microsoft.com/office/powerpoint/2010/main" id="1" dur="indefinite" restart="never" nodeType="tmRoot"/>
+      </p:par>
+    </p:tnLst>
+  </p:timing>
 </p:sld>
 </file>
 
@@ -4579,6 +4633,13 @@
   <p:clrMapOvr>
     <a:masterClrMapping/>
   </p:clrMapOvr>
+  <p:timing>
+    <p:tnLst>
+      <p:par>
+        <p:cTn xmlns:p14="http://schemas.microsoft.com/office/powerpoint/2010/main" id="1" dur="indefinite" restart="never" nodeType="tmRoot"/>
+      </p:par>
+    </p:tnLst>
+  </p:timing>
 </p:sld>
 </file>
 
@@ -4702,6 +4763,13 @@
   <p:clrMapOvr>
     <a:masterClrMapping/>
   </p:clrMapOvr>
+  <p:timing>
+    <p:tnLst>
+      <p:par>
+        <p:cTn xmlns:p14="http://schemas.microsoft.com/office/powerpoint/2010/main" id="1" dur="indefinite" restart="never" nodeType="tmRoot"/>
+      </p:par>
+    </p:tnLst>
+  </p:timing>
 </p:sld>
 </file>
 
@@ -4857,6 +4925,13 @@
   <p:clrMapOvr>
     <a:masterClrMapping/>
   </p:clrMapOvr>
+  <p:timing>
+    <p:tnLst>
+      <p:par>
+        <p:cTn xmlns:p14="http://schemas.microsoft.com/office/powerpoint/2010/main" id="1" dur="indefinite" restart="never" nodeType="tmRoot"/>
+      </p:par>
+    </p:tnLst>
+  </p:timing>
 </p:sld>
 </file>
 
@@ -4964,6 +5039,13 @@
   <p:clrMapOvr>
     <a:masterClrMapping/>
   </p:clrMapOvr>
+  <p:timing>
+    <p:tnLst>
+      <p:par>
+        <p:cTn xmlns:p14="http://schemas.microsoft.com/office/powerpoint/2010/main" id="1" dur="indefinite" restart="never" nodeType="tmRoot"/>
+      </p:par>
+    </p:tnLst>
+  </p:timing>
 </p:sld>
 </file>
 
@@ -5082,6 +5164,13 @@
   <p:clrMapOvr>
     <a:masterClrMapping/>
   </p:clrMapOvr>
+  <p:timing>
+    <p:tnLst>
+      <p:par>
+        <p:cTn xmlns:p14="http://schemas.microsoft.com/office/powerpoint/2010/main" id="1" dur="indefinite" restart="never" nodeType="tmRoot"/>
+      </p:par>
+    </p:tnLst>
+  </p:timing>
 </p:sld>
 </file>
 
@@ -5207,6 +5296,13 @@
   <p:clrMapOvr>
     <a:masterClrMapping/>
   </p:clrMapOvr>
+  <p:timing>
+    <p:tnLst>
+      <p:par>
+        <p:cTn xmlns:p14="http://schemas.microsoft.com/office/powerpoint/2010/main" id="1" dur="indefinite" restart="never" nodeType="tmRoot"/>
+      </p:par>
+    </p:tnLst>
+  </p:timing>
 </p:sld>
 </file>
 
@@ -5323,6 +5419,13 @@
   <p:clrMapOvr>
     <a:masterClrMapping/>
   </p:clrMapOvr>
+  <p:timing>
+    <p:tnLst>
+      <p:par>
+        <p:cTn xmlns:p14="http://schemas.microsoft.com/office/powerpoint/2010/main" id="1" dur="indefinite" restart="never" nodeType="tmRoot"/>
+      </p:par>
+    </p:tnLst>
+  </p:timing>
 </p:sld>
 </file>
 
@@ -5450,6 +5553,13 @@
   <p:clrMapOvr>
     <a:masterClrMapping/>
   </p:clrMapOvr>
+  <p:timing>
+    <p:tnLst>
+      <p:par>
+        <p:cTn xmlns:p14="http://schemas.microsoft.com/office/powerpoint/2010/main" id="1" dur="indefinite" restart="never" nodeType="tmRoot"/>
+      </p:par>
+    </p:tnLst>
+  </p:timing>
 </p:sld>
 </file>
 
